--- a/Historical Traffic Crash Data in Relation to the.pptx
+++ b/Historical Traffic Crash Data in Relation to the.pptx
@@ -7,7 +7,7 @@
   <p:sldIdLst>
     <p:sldId id="256" r:id="rId2"/>
     <p:sldId id="258" r:id="rId3"/>
-    <p:sldId id="257" r:id="rId4"/>
+    <p:sldId id="264" r:id="rId4"/>
     <p:sldId id="259" r:id="rId5"/>
     <p:sldId id="260" r:id="rId6"/>
     <p:sldId id="261" r:id="rId7"/>
@@ -111,6 +111,11 @@
       </a:defRPr>
     </a:lvl9pPr>
   </p:defaultTextStyle>
+  <p:extLst>
+    <p:ext uri="{EFAFB233-063F-42B5-8137-9DF3F51BA10A}">
+      <p15:sldGuideLst xmlns:p15="http://schemas.microsoft.com/office/powerpoint/2012/main"/>
+    </p:ext>
+  </p:extLst>
 </p:presentation>
 </file>
 
@@ -261,7 +266,7 @@
           <a:p>
             <a:fld id="{94F5B50E-F230-4BB9-992B-BF2FF8BAB34D}" type="datetimeFigureOut">
               <a:rPr lang="en-US" smtClean="0"/>
-              <a:t>1/27/2020</a:t>
+              <a:t>1/28/2020</a:t>
             </a:fld>
             <a:endParaRPr lang="en-US"/>
           </a:p>
@@ -459,7 +464,7 @@
           <a:p>
             <a:fld id="{94F5B50E-F230-4BB9-992B-BF2FF8BAB34D}" type="datetimeFigureOut">
               <a:rPr lang="en-US" smtClean="0"/>
-              <a:t>1/27/2020</a:t>
+              <a:t>1/28/2020</a:t>
             </a:fld>
             <a:endParaRPr lang="en-US"/>
           </a:p>
@@ -667,7 +672,7 @@
           <a:p>
             <a:fld id="{94F5B50E-F230-4BB9-992B-BF2FF8BAB34D}" type="datetimeFigureOut">
               <a:rPr lang="en-US" smtClean="0"/>
-              <a:t>1/27/2020</a:t>
+              <a:t>1/28/2020</a:t>
             </a:fld>
             <a:endParaRPr lang="en-US"/>
           </a:p>
@@ -865,7 +870,7 @@
           <a:p>
             <a:fld id="{94F5B50E-F230-4BB9-992B-BF2FF8BAB34D}" type="datetimeFigureOut">
               <a:rPr lang="en-US" smtClean="0"/>
-              <a:t>1/27/2020</a:t>
+              <a:t>1/28/2020</a:t>
             </a:fld>
             <a:endParaRPr lang="en-US"/>
           </a:p>
@@ -1140,7 +1145,7 @@
           <a:p>
             <a:fld id="{94F5B50E-F230-4BB9-992B-BF2FF8BAB34D}" type="datetimeFigureOut">
               <a:rPr lang="en-US" smtClean="0"/>
-              <a:t>1/27/2020</a:t>
+              <a:t>1/28/2020</a:t>
             </a:fld>
             <a:endParaRPr lang="en-US"/>
           </a:p>
@@ -1405,7 +1410,7 @@
           <a:p>
             <a:fld id="{94F5B50E-F230-4BB9-992B-BF2FF8BAB34D}" type="datetimeFigureOut">
               <a:rPr lang="en-US" smtClean="0"/>
-              <a:t>1/27/2020</a:t>
+              <a:t>1/28/2020</a:t>
             </a:fld>
             <a:endParaRPr lang="en-US"/>
           </a:p>
@@ -1817,7 +1822,7 @@
           <a:p>
             <a:fld id="{94F5B50E-F230-4BB9-992B-BF2FF8BAB34D}" type="datetimeFigureOut">
               <a:rPr lang="en-US" smtClean="0"/>
-              <a:t>1/27/2020</a:t>
+              <a:t>1/28/2020</a:t>
             </a:fld>
             <a:endParaRPr lang="en-US"/>
           </a:p>
@@ -1958,7 +1963,7 @@
           <a:p>
             <a:fld id="{94F5B50E-F230-4BB9-992B-BF2FF8BAB34D}" type="datetimeFigureOut">
               <a:rPr lang="en-US" smtClean="0"/>
-              <a:t>1/27/2020</a:t>
+              <a:t>1/28/2020</a:t>
             </a:fld>
             <a:endParaRPr lang="en-US"/>
           </a:p>
@@ -2071,7 +2076,7 @@
           <a:p>
             <a:fld id="{94F5B50E-F230-4BB9-992B-BF2FF8BAB34D}" type="datetimeFigureOut">
               <a:rPr lang="en-US" smtClean="0"/>
-              <a:t>1/27/2020</a:t>
+              <a:t>1/28/2020</a:t>
             </a:fld>
             <a:endParaRPr lang="en-US"/>
           </a:p>
@@ -2382,7 +2387,7 @@
           <a:p>
             <a:fld id="{94F5B50E-F230-4BB9-992B-BF2FF8BAB34D}" type="datetimeFigureOut">
               <a:rPr lang="en-US" smtClean="0"/>
-              <a:t>1/27/2020</a:t>
+              <a:t>1/28/2020</a:t>
             </a:fld>
             <a:endParaRPr lang="en-US"/>
           </a:p>
@@ -2670,7 +2675,7 @@
           <a:p>
             <a:fld id="{94F5B50E-F230-4BB9-992B-BF2FF8BAB34D}" type="datetimeFigureOut">
               <a:rPr lang="en-US" smtClean="0"/>
-              <a:t>1/27/2020</a:t>
+              <a:t>1/28/2020</a:t>
             </a:fld>
             <a:endParaRPr lang="en-US"/>
           </a:p>
@@ -2911,7 +2916,7 @@
           <a:p>
             <a:fld id="{94F5B50E-F230-4BB9-992B-BF2FF8BAB34D}" type="datetimeFigureOut">
               <a:rPr lang="en-US" smtClean="0"/>
-              <a:t>1/27/2020</a:t>
+              <a:t>1/28/2020</a:t>
             </a:fld>
             <a:endParaRPr lang="en-US"/>
           </a:p>
@@ -3464,13 +3469,13 @@
           <a:p>
             <a:r>
               <a:rPr lang="en-US" dirty="0"/>
-              <a:t>How has the common adoption of mobile/smart phones into everyday life effected the rate (and severity?) of traffic accidents in the following states? </a:t>
+              <a:t>How has the adoption of mobile and smart phones into everyday life affected the incidence of traffic accidents in the following states? </a:t>
             </a:r>
           </a:p>
           <a:p>
             <a:r>
               <a:rPr lang="en-US" dirty="0"/>
-              <a:t>How has the common adoption of mobile applications into everyday life effected the rate (and severity?) of traffic accidents in these states? </a:t>
+              <a:t>How has the adoption of mobile applications into everyday life affected the incidence of traffic accidents in these states? </a:t>
             </a:r>
           </a:p>
           <a:p>
@@ -3528,7 +3533,7 @@
           <p:cNvPr id="2" name="Title 1">
             <a:extLst>
               <a:ext uri="{FF2B5EF4-FFF2-40B4-BE49-F238E27FC236}">
-                <a16:creationId xmlns:a16="http://schemas.microsoft.com/office/drawing/2014/main" id="{72CC8D43-F938-4EC4-AFD6-4A37B70B5929}"/>
+                <a16:creationId xmlns:a16="http://schemas.microsoft.com/office/drawing/2014/main" id="{8E206EB4-45A0-4EB7-AD2D-C6CD8238149F}"/>
               </a:ext>
             </a:extLst>
           </p:cNvPr>
@@ -3546,7 +3551,7 @@
           <a:p>
             <a:r>
               <a:rPr lang="en-US" dirty="0"/>
-              <a:t>Hypothesis</a:t>
+              <a:t>Hypothesis:</a:t>
             </a:r>
           </a:p>
         </p:txBody>
@@ -3556,7 +3561,7 @@
           <p:cNvPr id="3" name="Content Placeholder 2">
             <a:extLst>
               <a:ext uri="{FF2B5EF4-FFF2-40B4-BE49-F238E27FC236}">
-                <a16:creationId xmlns:a16="http://schemas.microsoft.com/office/drawing/2014/main" id="{948CEABD-9C6D-4B91-9C3D-8FE66317D2B5}"/>
+                <a16:creationId xmlns:a16="http://schemas.microsoft.com/office/drawing/2014/main" id="{56BC326F-A201-4DCC-8CC1-532857CAC44C}"/>
               </a:ext>
             </a:extLst>
           </p:cNvPr>
@@ -3572,15 +3577,12 @@
           <a:bodyPr/>
           <a:lstStyle/>
           <a:p>
+            <a:pPr marL="0" indent="0">
+              <a:buNone/>
+            </a:pPr>
             <a:r>
               <a:rPr lang="en-US" dirty="0"/>
-              <a:t>There is a positive correlation between the proliferation of mobile phone usage and increases in traffic fatalities.</a:t>
-            </a:r>
-          </a:p>
-          <a:p>
-            <a:r>
-              <a:rPr lang="en-US" dirty="0"/>
-              <a:t> </a:t>
+              <a:t>U.S. automobile accidents have increased significantly with the adoption of smartphones.</a:t>
             </a:r>
           </a:p>
         </p:txBody>
@@ -3588,7 +3590,7 @@
     </p:spTree>
     <p:extLst>
       <p:ext uri="{BB962C8B-B14F-4D97-AF65-F5344CB8AC3E}">
-        <p14:creationId xmlns:p14="http://schemas.microsoft.com/office/powerpoint/2010/main" val="3125717566"/>
+        <p14:creationId xmlns:p14="http://schemas.microsoft.com/office/powerpoint/2010/main" val="3309841941"/>
       </p:ext>
     </p:extLst>
   </p:cSld>
@@ -3664,7 +3666,42 @@
           <a:bodyPr/>
           <a:lstStyle/>
           <a:p>
-            <a:endParaRPr lang="en-US"/>
+            <a:r>
+              <a:rPr lang="en-US" dirty="0"/>
+              <a:t>Data:</a:t>
+            </a:r>
+          </a:p>
+          <a:p>
+            <a:pPr lvl="1"/>
+            <a:endParaRPr lang="en-US" dirty="0"/>
+          </a:p>
+          <a:p>
+            <a:r>
+              <a:rPr lang="en-US" dirty="0"/>
+              <a:t>Exploration:</a:t>
+            </a:r>
+          </a:p>
+          <a:p>
+            <a:endParaRPr lang="en-US" dirty="0"/>
+          </a:p>
+          <a:p>
+            <a:r>
+              <a:rPr lang="en-US" dirty="0"/>
+              <a:t>Cleanup:</a:t>
+            </a:r>
+          </a:p>
+          <a:p>
+            <a:pPr lvl="1"/>
+            <a:r>
+              <a:rPr lang="en-US" dirty="0"/>
+              <a:t>Merging, remove empty cells, convert to float</a:t>
+            </a:r>
+          </a:p>
+          <a:p>
+            <a:pPr marL="0" indent="0">
+              <a:buNone/>
+            </a:pPr>
+            <a:endParaRPr lang="en-US" dirty="0"/>
           </a:p>
         </p:txBody>
       </p:sp>
@@ -3747,7 +3784,91 @@
           <a:bodyPr/>
           <a:lstStyle/>
           <a:p>
-            <a:endParaRPr lang="en-US"/>
+            <a:pPr marL="0" indent="0">
+              <a:buNone/>
+            </a:pPr>
+            <a:r>
+              <a:rPr lang="en-US" dirty="0"/>
+              <a:t>Accident data </a:t>
+            </a:r>
+          </a:p>
+          <a:p>
+            <a:pPr lvl="1"/>
+            <a:r>
+              <a:rPr lang="en-US" dirty="0"/>
+              <a:t>FARS and NHTSA (</a:t>
+            </a:r>
+            <a:r>
+              <a:rPr lang="en-US" dirty="0">
+                <a:hlinkClick r:id="rId2"/>
+              </a:rPr>
+              <a:t>https://www.nhtsa.gov/</a:t>
+            </a:r>
+            <a:r>
+              <a:rPr lang="en-US" dirty="0"/>
+              <a:t>)</a:t>
+            </a:r>
+          </a:p>
+          <a:p>
+            <a:pPr lvl="2"/>
+            <a:r>
+              <a:rPr lang="en-US" dirty="0"/>
+              <a:t>CSV downloads (Excel) and API (Pandas)</a:t>
+            </a:r>
+          </a:p>
+          <a:p>
+            <a:pPr marL="0" indent="0">
+              <a:buNone/>
+            </a:pPr>
+            <a:r>
+              <a:rPr lang="en-US" dirty="0"/>
+              <a:t>Registered Drivers by State</a:t>
+            </a:r>
+          </a:p>
+          <a:p>
+            <a:pPr lvl="1"/>
+            <a:r>
+              <a:rPr lang="en-US" dirty="0"/>
+              <a:t>CSV download (Pandas)</a:t>
+            </a:r>
+          </a:p>
+          <a:p>
+            <a:pPr lvl="2"/>
+            <a:r>
+              <a:rPr lang="en-US" dirty="0"/>
+              <a:t>Google Public Data</a:t>
+            </a:r>
+          </a:p>
+          <a:p>
+            <a:pPr marL="0" indent="0">
+              <a:buNone/>
+            </a:pPr>
+            <a:r>
+              <a:rPr lang="en-US" dirty="0"/>
+              <a:t>Mobile Adoption Data</a:t>
+            </a:r>
+          </a:p>
+          <a:p>
+            <a:pPr lvl="1"/>
+            <a:r>
+              <a:rPr lang="en-US" dirty="0"/>
+              <a:t>Mobile App adoption, Mobile phone and smartphone adoption, </a:t>
+            </a:r>
+          </a:p>
+          <a:p>
+            <a:pPr lvl="1"/>
+            <a:r>
+              <a:rPr lang="en-US" dirty="0"/>
+              <a:t>Pew Research, </a:t>
+            </a:r>
+            <a:r>
+              <a:rPr lang="en-US" dirty="0" err="1"/>
+              <a:t>Statisa</a:t>
+            </a:r>
+            <a:endParaRPr lang="en-US" dirty="0"/>
+          </a:p>
+          <a:p>
+            <a:endParaRPr lang="en-US" dirty="0"/>
           </a:p>
         </p:txBody>
       </p:sp>
@@ -3834,6 +3955,66 @@
           </a:p>
         </p:txBody>
       </p:sp>
+      <p:pic>
+        <p:nvPicPr>
+          <p:cNvPr id="4" name="Picture 3">
+            <a:extLst>
+              <a:ext uri="{FF2B5EF4-FFF2-40B4-BE49-F238E27FC236}">
+                <a16:creationId xmlns:a16="http://schemas.microsoft.com/office/drawing/2014/main" id="{6036BDD7-6E2D-4EF3-B7F7-DD71238DC222}"/>
+              </a:ext>
+            </a:extLst>
+          </p:cNvPr>
+          <p:cNvPicPr>
+            <a:picLocks noChangeAspect="1"/>
+          </p:cNvPicPr>
+          <p:nvPr/>
+        </p:nvPicPr>
+        <p:blipFill>
+          <a:blip r:embed="rId2"/>
+          <a:stretch>
+            <a:fillRect/>
+          </a:stretch>
+        </p:blipFill>
+        <p:spPr>
+          <a:xfrm>
+            <a:off x="2096677" y="1081836"/>
+            <a:ext cx="7998645" cy="4694327"/>
+          </a:xfrm>
+          <a:prstGeom prst="rect">
+            <a:avLst/>
+          </a:prstGeom>
+        </p:spPr>
+      </p:pic>
+      <p:pic>
+        <p:nvPicPr>
+          <p:cNvPr id="5" name="Picture 4">
+            <a:extLst>
+              <a:ext uri="{FF2B5EF4-FFF2-40B4-BE49-F238E27FC236}">
+                <a16:creationId xmlns:a16="http://schemas.microsoft.com/office/drawing/2014/main" id="{628F2F69-4AA5-4F0E-8061-F4BCB02667E0}"/>
+              </a:ext>
+            </a:extLst>
+          </p:cNvPr>
+          <p:cNvPicPr>
+            <a:picLocks noChangeAspect="1"/>
+          </p:cNvPicPr>
+          <p:nvPr/>
+        </p:nvPicPr>
+        <p:blipFill>
+          <a:blip r:embed="rId3"/>
+          <a:stretch>
+            <a:fillRect/>
+          </a:stretch>
+        </p:blipFill>
+        <p:spPr>
+          <a:xfrm>
+            <a:off x="3764078" y="1578703"/>
+            <a:ext cx="4663844" cy="3700593"/>
+          </a:xfrm>
+          <a:prstGeom prst="rect">
+            <a:avLst/>
+          </a:prstGeom>
+        </p:spPr>
+      </p:pic>
     </p:spTree>
     <p:extLst>
       <p:ext uri="{BB962C8B-B14F-4D97-AF65-F5344CB8AC3E}">
@@ -3913,7 +4094,7 @@
           <a:bodyPr/>
           <a:lstStyle/>
           <a:p>
-            <a:endParaRPr lang="en-US"/>
+            <a:endParaRPr lang="en-US" dirty="0"/>
           </a:p>
         </p:txBody>
       </p:sp>

--- a/Historical Traffic Crash Data in Relation to the.pptx
+++ b/Historical Traffic Crash Data in Relation to the.pptx
@@ -7,7 +7,7 @@
   <p:sldIdLst>
     <p:sldId id="256" r:id="rId2"/>
     <p:sldId id="258" r:id="rId3"/>
-    <p:sldId id="264" r:id="rId4"/>
+    <p:sldId id="257" r:id="rId4"/>
     <p:sldId id="259" r:id="rId5"/>
     <p:sldId id="260" r:id="rId6"/>
     <p:sldId id="261" r:id="rId7"/>
@@ -111,11 +111,6 @@
       </a:defRPr>
     </a:lvl9pPr>
   </p:defaultTextStyle>
-  <p:extLst>
-    <p:ext uri="{EFAFB233-063F-42B5-8137-9DF3F51BA10A}">
-      <p15:sldGuideLst xmlns:p15="http://schemas.microsoft.com/office/powerpoint/2012/main"/>
-    </p:ext>
-  </p:extLst>
 </p:presentation>
 </file>
 
@@ -266,7 +261,7 @@
           <a:p>
             <a:fld id="{94F5B50E-F230-4BB9-992B-BF2FF8BAB34D}" type="datetimeFigureOut">
               <a:rPr lang="en-US" smtClean="0"/>
-              <a:t>1/28/2020</a:t>
+              <a:t>1/27/2020</a:t>
             </a:fld>
             <a:endParaRPr lang="en-US"/>
           </a:p>
@@ -464,7 +459,7 @@
           <a:p>
             <a:fld id="{94F5B50E-F230-4BB9-992B-BF2FF8BAB34D}" type="datetimeFigureOut">
               <a:rPr lang="en-US" smtClean="0"/>
-              <a:t>1/28/2020</a:t>
+              <a:t>1/27/2020</a:t>
             </a:fld>
             <a:endParaRPr lang="en-US"/>
           </a:p>
@@ -672,7 +667,7 @@
           <a:p>
             <a:fld id="{94F5B50E-F230-4BB9-992B-BF2FF8BAB34D}" type="datetimeFigureOut">
               <a:rPr lang="en-US" smtClean="0"/>
-              <a:t>1/28/2020</a:t>
+              <a:t>1/27/2020</a:t>
             </a:fld>
             <a:endParaRPr lang="en-US"/>
           </a:p>
@@ -870,7 +865,7 @@
           <a:p>
             <a:fld id="{94F5B50E-F230-4BB9-992B-BF2FF8BAB34D}" type="datetimeFigureOut">
               <a:rPr lang="en-US" smtClean="0"/>
-              <a:t>1/28/2020</a:t>
+              <a:t>1/27/2020</a:t>
             </a:fld>
             <a:endParaRPr lang="en-US"/>
           </a:p>
@@ -1145,7 +1140,7 @@
           <a:p>
             <a:fld id="{94F5B50E-F230-4BB9-992B-BF2FF8BAB34D}" type="datetimeFigureOut">
               <a:rPr lang="en-US" smtClean="0"/>
-              <a:t>1/28/2020</a:t>
+              <a:t>1/27/2020</a:t>
             </a:fld>
             <a:endParaRPr lang="en-US"/>
           </a:p>
@@ -1410,7 +1405,7 @@
           <a:p>
             <a:fld id="{94F5B50E-F230-4BB9-992B-BF2FF8BAB34D}" type="datetimeFigureOut">
               <a:rPr lang="en-US" smtClean="0"/>
-              <a:t>1/28/2020</a:t>
+              <a:t>1/27/2020</a:t>
             </a:fld>
             <a:endParaRPr lang="en-US"/>
           </a:p>
@@ -1822,7 +1817,7 @@
           <a:p>
             <a:fld id="{94F5B50E-F230-4BB9-992B-BF2FF8BAB34D}" type="datetimeFigureOut">
               <a:rPr lang="en-US" smtClean="0"/>
-              <a:t>1/28/2020</a:t>
+              <a:t>1/27/2020</a:t>
             </a:fld>
             <a:endParaRPr lang="en-US"/>
           </a:p>
@@ -1963,7 +1958,7 @@
           <a:p>
             <a:fld id="{94F5B50E-F230-4BB9-992B-BF2FF8BAB34D}" type="datetimeFigureOut">
               <a:rPr lang="en-US" smtClean="0"/>
-              <a:t>1/28/2020</a:t>
+              <a:t>1/27/2020</a:t>
             </a:fld>
             <a:endParaRPr lang="en-US"/>
           </a:p>
@@ -2076,7 +2071,7 @@
           <a:p>
             <a:fld id="{94F5B50E-F230-4BB9-992B-BF2FF8BAB34D}" type="datetimeFigureOut">
               <a:rPr lang="en-US" smtClean="0"/>
-              <a:t>1/28/2020</a:t>
+              <a:t>1/27/2020</a:t>
             </a:fld>
             <a:endParaRPr lang="en-US"/>
           </a:p>
@@ -2387,7 +2382,7 @@
           <a:p>
             <a:fld id="{94F5B50E-F230-4BB9-992B-BF2FF8BAB34D}" type="datetimeFigureOut">
               <a:rPr lang="en-US" smtClean="0"/>
-              <a:t>1/28/2020</a:t>
+              <a:t>1/27/2020</a:t>
             </a:fld>
             <a:endParaRPr lang="en-US"/>
           </a:p>
@@ -2675,7 +2670,7 @@
           <a:p>
             <a:fld id="{94F5B50E-F230-4BB9-992B-BF2FF8BAB34D}" type="datetimeFigureOut">
               <a:rPr lang="en-US" smtClean="0"/>
-              <a:t>1/28/2020</a:t>
+              <a:t>1/27/2020</a:t>
             </a:fld>
             <a:endParaRPr lang="en-US"/>
           </a:p>
@@ -2916,7 +2911,7 @@
           <a:p>
             <a:fld id="{94F5B50E-F230-4BB9-992B-BF2FF8BAB34D}" type="datetimeFigureOut">
               <a:rPr lang="en-US" smtClean="0"/>
-              <a:t>1/28/2020</a:t>
+              <a:t>1/27/2020</a:t>
             </a:fld>
             <a:endParaRPr lang="en-US"/>
           </a:p>
@@ -3469,13 +3464,13 @@
           <a:p>
             <a:r>
               <a:rPr lang="en-US" dirty="0"/>
-              <a:t>How has the adoption of mobile and smart phones into everyday life affected the incidence of traffic accidents in the following states? </a:t>
+              <a:t>How has the common adoption of mobile/smart phones into everyday life effected the rate (and severity?) of traffic accidents in the following states? </a:t>
             </a:r>
           </a:p>
           <a:p>
             <a:r>
               <a:rPr lang="en-US" dirty="0"/>
-              <a:t>How has the adoption of mobile applications into everyday life affected the incidence of traffic accidents in these states? </a:t>
+              <a:t>How has the common adoption of mobile applications into everyday life effected the rate (and severity?) of traffic accidents in these states? </a:t>
             </a:r>
           </a:p>
           <a:p>
@@ -3533,7 +3528,7 @@
           <p:cNvPr id="2" name="Title 1">
             <a:extLst>
               <a:ext uri="{FF2B5EF4-FFF2-40B4-BE49-F238E27FC236}">
-                <a16:creationId xmlns:a16="http://schemas.microsoft.com/office/drawing/2014/main" id="{8E206EB4-45A0-4EB7-AD2D-C6CD8238149F}"/>
+                <a16:creationId xmlns:a16="http://schemas.microsoft.com/office/drawing/2014/main" id="{72CC8D43-F938-4EC4-AFD6-4A37B70B5929}"/>
               </a:ext>
             </a:extLst>
           </p:cNvPr>
@@ -3551,7 +3546,7 @@
           <a:p>
             <a:r>
               <a:rPr lang="en-US" dirty="0"/>
-              <a:t>Hypothesis:</a:t>
+              <a:t>Hypothesis</a:t>
             </a:r>
           </a:p>
         </p:txBody>
@@ -3561,7 +3556,7 @@
           <p:cNvPr id="3" name="Content Placeholder 2">
             <a:extLst>
               <a:ext uri="{FF2B5EF4-FFF2-40B4-BE49-F238E27FC236}">
-                <a16:creationId xmlns:a16="http://schemas.microsoft.com/office/drawing/2014/main" id="{56BC326F-A201-4DCC-8CC1-532857CAC44C}"/>
+                <a16:creationId xmlns:a16="http://schemas.microsoft.com/office/drawing/2014/main" id="{948CEABD-9C6D-4B91-9C3D-8FE66317D2B5}"/>
               </a:ext>
             </a:extLst>
           </p:cNvPr>
@@ -3577,12 +3572,15 @@
           <a:bodyPr/>
           <a:lstStyle/>
           <a:p>
-            <a:pPr marL="0" indent="0">
-              <a:buNone/>
-            </a:pPr>
             <a:r>
               <a:rPr lang="en-US" dirty="0"/>
-              <a:t>U.S. automobile accidents have increased significantly with the adoption of smartphones.</a:t>
+              <a:t>There is a positive correlation between the proliferation of mobile phone usage and increases in traffic fatalities.</a:t>
+            </a:r>
+          </a:p>
+          <a:p>
+            <a:r>
+              <a:rPr lang="en-US" dirty="0"/>
+              <a:t> </a:t>
             </a:r>
           </a:p>
         </p:txBody>
@@ -3590,7 +3588,7 @@
     </p:spTree>
     <p:extLst>
       <p:ext uri="{BB962C8B-B14F-4D97-AF65-F5344CB8AC3E}">
-        <p14:creationId xmlns:p14="http://schemas.microsoft.com/office/powerpoint/2010/main" val="3309841941"/>
+        <p14:creationId xmlns:p14="http://schemas.microsoft.com/office/powerpoint/2010/main" val="3125717566"/>
       </p:ext>
     </p:extLst>
   </p:cSld>
@@ -3666,42 +3664,7 @@
           <a:bodyPr/>
           <a:lstStyle/>
           <a:p>
-            <a:r>
-              <a:rPr lang="en-US" dirty="0"/>
-              <a:t>Data:</a:t>
-            </a:r>
-          </a:p>
-          <a:p>
-            <a:pPr lvl="1"/>
-            <a:endParaRPr lang="en-US" dirty="0"/>
-          </a:p>
-          <a:p>
-            <a:r>
-              <a:rPr lang="en-US" dirty="0"/>
-              <a:t>Exploration:</a:t>
-            </a:r>
-          </a:p>
-          <a:p>
-            <a:endParaRPr lang="en-US" dirty="0"/>
-          </a:p>
-          <a:p>
-            <a:r>
-              <a:rPr lang="en-US" dirty="0"/>
-              <a:t>Cleanup:</a:t>
-            </a:r>
-          </a:p>
-          <a:p>
-            <a:pPr lvl="1"/>
-            <a:r>
-              <a:rPr lang="en-US" dirty="0"/>
-              <a:t>Merging, remove empty cells, convert to float</a:t>
-            </a:r>
-          </a:p>
-          <a:p>
-            <a:pPr marL="0" indent="0">
-              <a:buNone/>
-            </a:pPr>
-            <a:endParaRPr lang="en-US" dirty="0"/>
+            <a:endParaRPr lang="en-US"/>
           </a:p>
         </p:txBody>
       </p:sp>
@@ -3784,91 +3747,7 @@
           <a:bodyPr/>
           <a:lstStyle/>
           <a:p>
-            <a:pPr marL="0" indent="0">
-              <a:buNone/>
-            </a:pPr>
-            <a:r>
-              <a:rPr lang="en-US" dirty="0"/>
-              <a:t>Accident data </a:t>
-            </a:r>
-          </a:p>
-          <a:p>
-            <a:pPr lvl="1"/>
-            <a:r>
-              <a:rPr lang="en-US" dirty="0"/>
-              <a:t>FARS and NHTSA (</a:t>
-            </a:r>
-            <a:r>
-              <a:rPr lang="en-US" dirty="0">
-                <a:hlinkClick r:id="rId2"/>
-              </a:rPr>
-              <a:t>https://www.nhtsa.gov/</a:t>
-            </a:r>
-            <a:r>
-              <a:rPr lang="en-US" dirty="0"/>
-              <a:t>)</a:t>
-            </a:r>
-          </a:p>
-          <a:p>
-            <a:pPr lvl="2"/>
-            <a:r>
-              <a:rPr lang="en-US" dirty="0"/>
-              <a:t>CSV downloads (Excel) and API (Pandas)</a:t>
-            </a:r>
-          </a:p>
-          <a:p>
-            <a:pPr marL="0" indent="0">
-              <a:buNone/>
-            </a:pPr>
-            <a:r>
-              <a:rPr lang="en-US" dirty="0"/>
-              <a:t>Registered Drivers by State</a:t>
-            </a:r>
-          </a:p>
-          <a:p>
-            <a:pPr lvl="1"/>
-            <a:r>
-              <a:rPr lang="en-US" dirty="0"/>
-              <a:t>CSV download (Pandas)</a:t>
-            </a:r>
-          </a:p>
-          <a:p>
-            <a:pPr lvl="2"/>
-            <a:r>
-              <a:rPr lang="en-US" dirty="0"/>
-              <a:t>Google Public Data</a:t>
-            </a:r>
-          </a:p>
-          <a:p>
-            <a:pPr marL="0" indent="0">
-              <a:buNone/>
-            </a:pPr>
-            <a:r>
-              <a:rPr lang="en-US" dirty="0"/>
-              <a:t>Mobile Adoption Data</a:t>
-            </a:r>
-          </a:p>
-          <a:p>
-            <a:pPr lvl="1"/>
-            <a:r>
-              <a:rPr lang="en-US" dirty="0"/>
-              <a:t>Mobile App adoption, Mobile phone and smartphone adoption, </a:t>
-            </a:r>
-          </a:p>
-          <a:p>
-            <a:pPr lvl="1"/>
-            <a:r>
-              <a:rPr lang="en-US" dirty="0"/>
-              <a:t>Pew Research, </a:t>
-            </a:r>
-            <a:r>
-              <a:rPr lang="en-US" dirty="0" err="1"/>
-              <a:t>Statisa</a:t>
-            </a:r>
-            <a:endParaRPr lang="en-US" dirty="0"/>
-          </a:p>
-          <a:p>
-            <a:endParaRPr lang="en-US" dirty="0"/>
+            <a:endParaRPr lang="en-US"/>
           </a:p>
         </p:txBody>
       </p:sp>
@@ -3955,66 +3834,6 @@
           </a:p>
         </p:txBody>
       </p:sp>
-      <p:pic>
-        <p:nvPicPr>
-          <p:cNvPr id="4" name="Picture 3">
-            <a:extLst>
-              <a:ext uri="{FF2B5EF4-FFF2-40B4-BE49-F238E27FC236}">
-                <a16:creationId xmlns:a16="http://schemas.microsoft.com/office/drawing/2014/main" id="{6036BDD7-6E2D-4EF3-B7F7-DD71238DC222}"/>
-              </a:ext>
-            </a:extLst>
-          </p:cNvPr>
-          <p:cNvPicPr>
-            <a:picLocks noChangeAspect="1"/>
-          </p:cNvPicPr>
-          <p:nvPr/>
-        </p:nvPicPr>
-        <p:blipFill>
-          <a:blip r:embed="rId2"/>
-          <a:stretch>
-            <a:fillRect/>
-          </a:stretch>
-        </p:blipFill>
-        <p:spPr>
-          <a:xfrm>
-            <a:off x="2096677" y="1081836"/>
-            <a:ext cx="7998645" cy="4694327"/>
-          </a:xfrm>
-          <a:prstGeom prst="rect">
-            <a:avLst/>
-          </a:prstGeom>
-        </p:spPr>
-      </p:pic>
-      <p:pic>
-        <p:nvPicPr>
-          <p:cNvPr id="5" name="Picture 4">
-            <a:extLst>
-              <a:ext uri="{FF2B5EF4-FFF2-40B4-BE49-F238E27FC236}">
-                <a16:creationId xmlns:a16="http://schemas.microsoft.com/office/drawing/2014/main" id="{628F2F69-4AA5-4F0E-8061-F4BCB02667E0}"/>
-              </a:ext>
-            </a:extLst>
-          </p:cNvPr>
-          <p:cNvPicPr>
-            <a:picLocks noChangeAspect="1"/>
-          </p:cNvPicPr>
-          <p:nvPr/>
-        </p:nvPicPr>
-        <p:blipFill>
-          <a:blip r:embed="rId3"/>
-          <a:stretch>
-            <a:fillRect/>
-          </a:stretch>
-        </p:blipFill>
-        <p:spPr>
-          <a:xfrm>
-            <a:off x="3764078" y="1578703"/>
-            <a:ext cx="4663844" cy="3700593"/>
-          </a:xfrm>
-          <a:prstGeom prst="rect">
-            <a:avLst/>
-          </a:prstGeom>
-        </p:spPr>
-      </p:pic>
     </p:spTree>
     <p:extLst>
       <p:ext uri="{BB962C8B-B14F-4D97-AF65-F5344CB8AC3E}">
@@ -4094,7 +3913,7 @@
           <a:bodyPr/>
           <a:lstStyle/>
           <a:p>
-            <a:endParaRPr lang="en-US" dirty="0"/>
+            <a:endParaRPr lang="en-US"/>
           </a:p>
         </p:txBody>
       </p:sp>
